--- a/web/e21/uge_2a/Quiz-Uge2-Mandag.pptx
+++ b/web/e21/uge_2a/Quiz-Uge2-Mandag.pptx
@@ -4983,7 +4983,7 @@
         </p:nvSpPr>
         <p:spPr bwMode="auto">
           <a:xfrm>
-            <a:off x="1248290" y="4445953"/>
+            <a:off x="1248290" y="3717032"/>
             <a:ext cx="2448272" cy="1938992"/>
           </a:xfrm>
           <a:prstGeom prst="rect">
@@ -5227,7 +5227,7 @@
         <p:spPr bwMode="auto">
           <a:xfrm>
             <a:off x="1259632" y="1666243"/>
-            <a:ext cx="2264030" cy="2554545"/>
+            <a:ext cx="2264030" cy="1631216"/>
           </a:xfrm>
           <a:prstGeom prst="rect">
             <a:avLst/>
@@ -5361,75 +5361,25 @@
               <a:defRPr/>
             </a:pPr>
             <a:r>
-              <a:rPr lang="da-DK" b="1" spc="300" dirty="0" err="1" smtClean="0">
+              <a:rPr lang="da-DK" b="1" spc="300" dirty="0" smtClean="0">
                 <a:solidFill>
                   <a:srgbClr val="FF0000"/>
                 </a:solidFill>
                 <a:latin typeface="Courier New" panose="02070309020205020404" pitchFamily="49" charset="0"/>
                 <a:cs typeface="Courier New" panose="02070309020205020404" pitchFamily="49" charset="0"/>
               </a:rPr>
-              <a:t>int</a:t>
+              <a:t>int </a:t>
             </a:r>
             <a:r>
               <a:rPr lang="da-DK" b="1" spc="300" dirty="0" smtClean="0">
                 <a:solidFill>
-                  <a:srgbClr val="FF0000"/>
+                  <a:schemeClr val="tx1"/>
                 </a:solidFill>
                 <a:latin typeface="Courier New" panose="02070309020205020404" pitchFamily="49" charset="0"/>
                 <a:cs typeface="Courier New" panose="02070309020205020404" pitchFamily="49" charset="0"/>
               </a:rPr>
-              <a:t> </a:t>
-            </a:r>
-            <a:r>
-              <a:rPr lang="da-DK" b="1" spc="300" dirty="0" smtClean="0">
-                <a:solidFill>
-                  <a:schemeClr val="tx1"/>
-                </a:solidFill>
-                <a:latin typeface="Courier New" panose="02070309020205020404" pitchFamily="49" charset="0"/>
-                <a:cs typeface="Courier New" panose="02070309020205020404" pitchFamily="49" charset="0"/>
-              </a:rPr>
-              <a:t>x;</a:t>
-            </a:r>
-          </a:p>
-          <a:p>
-            <a:pPr eaLnBrk="1" hangingPunct="1">
-              <a:defRPr/>
-            </a:pPr>
-            <a:r>
-              <a:rPr lang="da-DK" b="1" spc="300" dirty="0" err="1" smtClean="0">
-                <a:solidFill>
-                  <a:srgbClr val="FF0000"/>
-                </a:solidFill>
-                <a:latin typeface="Courier New" panose="02070309020205020404" pitchFamily="49" charset="0"/>
-                <a:cs typeface="Courier New" panose="02070309020205020404" pitchFamily="49" charset="0"/>
-              </a:rPr>
-              <a:t>int</a:t>
-            </a:r>
-            <a:r>
-              <a:rPr lang="da-DK" b="1" spc="300" dirty="0" smtClean="0">
-                <a:solidFill>
-                  <a:srgbClr val="FF0000"/>
-                </a:solidFill>
-                <a:latin typeface="Courier New" panose="02070309020205020404" pitchFamily="49" charset="0"/>
-                <a:cs typeface="Courier New" panose="02070309020205020404" pitchFamily="49" charset="0"/>
-              </a:rPr>
-              <a:t> </a:t>
-            </a:r>
-            <a:r>
-              <a:rPr lang="da-DK" b="1" spc="300" dirty="0" smtClean="0">
-                <a:solidFill>
-                  <a:schemeClr val="tx1"/>
-                </a:solidFill>
-                <a:latin typeface="Courier New" panose="02070309020205020404" pitchFamily="49" charset="0"/>
-                <a:cs typeface="Courier New" panose="02070309020205020404" pitchFamily="49" charset="0"/>
-              </a:rPr>
-              <a:t>y;</a:t>
-            </a:r>
-          </a:p>
-          <a:p>
-            <a:pPr eaLnBrk="1" hangingPunct="1">
-              <a:defRPr/>
-            </a:pPr>
+              <a:t>x = 1;</a:t>
+            </a:r>
             <a:endParaRPr lang="da-DK" b="1" spc="300" dirty="0" smtClean="0">
               <a:solidFill>
                 <a:schemeClr val="tx1"/>
@@ -5445,13 +5395,30 @@
             <a:r>
               <a:rPr lang="da-DK" b="1" spc="300" dirty="0" smtClean="0">
                 <a:solidFill>
-                  <a:schemeClr val="tx1"/>
+                  <a:srgbClr val="FF0000"/>
                 </a:solidFill>
                 <a:latin typeface="Courier New" panose="02070309020205020404" pitchFamily="49" charset="0"/>
                 <a:cs typeface="Courier New" panose="02070309020205020404" pitchFamily="49" charset="0"/>
               </a:rPr>
-              <a:t>x = 1; </a:t>
-            </a:r>
+              <a:t>int </a:t>
+            </a:r>
+            <a:r>
+              <a:rPr lang="da-DK" b="1" spc="300" dirty="0" smtClean="0">
+                <a:solidFill>
+                  <a:schemeClr val="tx1"/>
+                </a:solidFill>
+                <a:latin typeface="Courier New" panose="02070309020205020404" pitchFamily="49" charset="0"/>
+                <a:cs typeface="Courier New" panose="02070309020205020404" pitchFamily="49" charset="0"/>
+              </a:rPr>
+              <a:t>y = 2;</a:t>
+            </a:r>
+            <a:endParaRPr lang="da-DK" b="1" spc="300" dirty="0" smtClean="0">
+              <a:solidFill>
+                <a:schemeClr val="tx1"/>
+              </a:solidFill>
+              <a:latin typeface="Courier New" panose="02070309020205020404" pitchFamily="49" charset="0"/>
+              <a:cs typeface="Courier New" panose="02070309020205020404" pitchFamily="49" charset="0"/>
+            </a:endParaRPr>
           </a:p>
           <a:p>
             <a:pPr eaLnBrk="1" hangingPunct="1">
@@ -5465,13 +5432,8 @@
                 <a:latin typeface="Courier New" panose="02070309020205020404" pitchFamily="49" charset="0"/>
                 <a:cs typeface="Courier New" panose="02070309020205020404" pitchFamily="49" charset="0"/>
               </a:rPr>
-              <a:t>y = 2;</a:t>
-            </a:r>
-          </a:p>
-          <a:p>
-            <a:pPr eaLnBrk="1" hangingPunct="1">
-              <a:defRPr/>
-            </a:pPr>
+              <a:t>x </a:t>
+            </a:r>
             <a:r>
               <a:rPr lang="da-DK" b="1" spc="300" dirty="0" smtClean="0">
                 <a:solidFill>
@@ -5480,7 +5442,7 @@
                 <a:latin typeface="Courier New" panose="02070309020205020404" pitchFamily="49" charset="0"/>
                 <a:cs typeface="Courier New" panose="02070309020205020404" pitchFamily="49" charset="0"/>
               </a:rPr>
-              <a:t>x = </a:t>
+              <a:t>= </a:t>
             </a:r>
             <a:r>
               <a:rPr lang="da-DK" b="1" spc="300" dirty="0" err="1" smtClean="0">
@@ -5567,7 +5529,7 @@
         </p:nvSpPr>
         <p:spPr bwMode="auto">
           <a:xfrm>
-            <a:off x="600218" y="4838641"/>
+            <a:off x="600218" y="4109720"/>
             <a:ext cx="576064" cy="341040"/>
           </a:xfrm>
           <a:prstGeom prst="rightArrow">
@@ -5635,7 +5597,7 @@
         </p:nvSpPr>
         <p:spPr bwMode="auto">
           <a:xfrm>
-            <a:off x="4076328" y="2481462"/>
+            <a:off x="4076328" y="1988840"/>
             <a:ext cx="764468" cy="400110"/>
           </a:xfrm>
           <a:prstGeom prst="rect">
@@ -5803,7 +5765,7 @@
         </p:nvSpPr>
         <p:spPr bwMode="auto">
           <a:xfrm>
-            <a:off x="4076328" y="2985518"/>
+            <a:off x="4076328" y="2492896"/>
             <a:ext cx="764468" cy="400110"/>
           </a:xfrm>
           <a:prstGeom prst="rect">
@@ -5967,7 +5929,7 @@
         </p:nvSpPr>
         <p:spPr bwMode="auto">
           <a:xfrm>
-            <a:off x="4868416" y="2481462"/>
+            <a:off x="4868416" y="1988840"/>
             <a:ext cx="360040" cy="400110"/>
           </a:xfrm>
           <a:prstGeom prst="rect">
@@ -6131,7 +6093,7 @@
         </p:nvSpPr>
         <p:spPr bwMode="auto">
           <a:xfrm>
-            <a:off x="4508376" y="2481462"/>
+            <a:off x="4508376" y="1988840"/>
             <a:ext cx="360040" cy="400110"/>
           </a:xfrm>
           <a:prstGeom prst="rect">
@@ -6304,7 +6266,7 @@
         </p:nvSpPr>
         <p:spPr bwMode="auto">
           <a:xfrm>
-            <a:off x="4868416" y="2985518"/>
+            <a:off x="4868416" y="2492896"/>
             <a:ext cx="360040" cy="400110"/>
           </a:xfrm>
           <a:prstGeom prst="rect">
@@ -6468,7 +6430,7 @@
         </p:nvSpPr>
         <p:spPr bwMode="auto">
           <a:xfrm>
-            <a:off x="4480756" y="2982479"/>
+            <a:off x="4480756" y="2489857"/>
             <a:ext cx="360040" cy="400110"/>
           </a:xfrm>
           <a:prstGeom prst="rect">
@@ -6641,7 +6603,7 @@
         </p:nvSpPr>
         <p:spPr bwMode="auto">
           <a:xfrm>
-            <a:off x="4880827" y="2489893"/>
+            <a:off x="4880827" y="1997271"/>
             <a:ext cx="360040" cy="400110"/>
           </a:xfrm>
           <a:prstGeom prst="rect">
@@ -6814,7 +6776,7 @@
         </p:nvSpPr>
         <p:spPr bwMode="auto">
           <a:xfrm>
-            <a:off x="5292080" y="2492896"/>
+            <a:off x="5292080" y="2000274"/>
             <a:ext cx="360040" cy="400110"/>
           </a:xfrm>
           <a:prstGeom prst="rect">
@@ -7733,7 +7695,7 @@
         </p:nvSpPr>
         <p:spPr bwMode="auto">
           <a:xfrm>
-            <a:off x="1115616" y="4442336"/>
+            <a:off x="1115616" y="3789040"/>
             <a:ext cx="2376264" cy="1938992"/>
           </a:xfrm>
           <a:prstGeom prst="rect">
@@ -7992,7 +7954,7 @@
         <p:spPr bwMode="auto">
           <a:xfrm>
             <a:off x="1115616" y="1700808"/>
-            <a:ext cx="2197547" cy="2554545"/>
+            <a:ext cx="2197547" cy="1631216"/>
           </a:xfrm>
           <a:prstGeom prst="rect">
             <a:avLst/>
@@ -8019,7 +7981,7 @@
               <a:defRPr/>
             </a:pPr>
             <a:r>
-              <a:rPr lang="da-DK" b="1" spc="300" dirty="0" err="1">
+              <a:rPr lang="da-DK" b="1" spc="300" dirty="0">
                 <a:solidFill>
                   <a:srgbClr val="FF0000"/>
                 </a:solidFill>
@@ -8027,73 +7989,19 @@
                 <a:ea typeface="Courier" pitchFamily="-1" charset="0"/>
                 <a:cs typeface="Courier New" panose="02070309020205020404" pitchFamily="49" charset="0"/>
               </a:rPr>
-              <a:t>int</a:t>
-            </a:r>
-            <a:r>
-              <a:rPr lang="da-DK" b="1" spc="300" dirty="0">
-                <a:solidFill>
-                  <a:srgbClr val="FF0000"/>
+              <a:t>int </a:t>
+            </a:r>
+            <a:r>
+              <a:rPr lang="da-DK" b="1" spc="300" dirty="0" smtClean="0">
+                <a:solidFill>
+                  <a:schemeClr val="tx1"/>
                 </a:solidFill>
                 <a:latin typeface="Courier New" panose="02070309020205020404" pitchFamily="49" charset="0"/>
                 <a:ea typeface="Courier" pitchFamily="-1" charset="0"/>
                 <a:cs typeface="Courier New" panose="02070309020205020404" pitchFamily="49" charset="0"/>
               </a:rPr>
-              <a:t> </a:t>
-            </a:r>
-            <a:r>
-              <a:rPr lang="da-DK" b="1" spc="300" dirty="0">
-                <a:solidFill>
-                  <a:schemeClr val="tx1"/>
-                </a:solidFill>
-                <a:latin typeface="Courier New" panose="02070309020205020404" pitchFamily="49" charset="0"/>
-                <a:ea typeface="Courier" pitchFamily="-1" charset="0"/>
-                <a:cs typeface="Courier New" panose="02070309020205020404" pitchFamily="49" charset="0"/>
-              </a:rPr>
-              <a:t>x;</a:t>
-            </a:r>
-          </a:p>
-          <a:p>
-            <a:pPr>
-              <a:defRPr/>
-            </a:pPr>
-            <a:r>
-              <a:rPr lang="da-DK" b="1" spc="300" dirty="0" err="1">
-                <a:solidFill>
-                  <a:srgbClr val="FF0000"/>
-                </a:solidFill>
-                <a:latin typeface="Courier New" panose="02070309020205020404" pitchFamily="49" charset="0"/>
-                <a:ea typeface="Courier" pitchFamily="-1" charset="0"/>
-                <a:cs typeface="Courier New" panose="02070309020205020404" pitchFamily="49" charset="0"/>
-              </a:rPr>
-              <a:t>int</a:t>
-            </a:r>
-            <a:r>
-              <a:rPr lang="da-DK" b="1" spc="300" dirty="0">
-                <a:solidFill>
-                  <a:srgbClr val="FF0000"/>
-                </a:solidFill>
-                <a:latin typeface="Courier New" panose="02070309020205020404" pitchFamily="49" charset="0"/>
-                <a:ea typeface="Courier" pitchFamily="-1" charset="0"/>
-                <a:cs typeface="Courier New" panose="02070309020205020404" pitchFamily="49" charset="0"/>
-              </a:rPr>
-              <a:t> </a:t>
-            </a:r>
-            <a:r>
-              <a:rPr lang="da-DK" b="1" spc="300" dirty="0">
-                <a:solidFill>
-                  <a:schemeClr val="tx1"/>
-                </a:solidFill>
-                <a:latin typeface="Courier New" panose="02070309020205020404" pitchFamily="49" charset="0"/>
-                <a:ea typeface="Courier" pitchFamily="-1" charset="0"/>
-                <a:cs typeface="Courier New" panose="02070309020205020404" pitchFamily="49" charset="0"/>
-              </a:rPr>
-              <a:t>y;</a:t>
-            </a:r>
-          </a:p>
-          <a:p>
-            <a:pPr>
-              <a:defRPr/>
-            </a:pPr>
+              <a:t>x = 2;</a:t>
+            </a:r>
             <a:endParaRPr lang="da-DK" b="1" spc="300" dirty="0">
               <a:solidFill>
                 <a:schemeClr val="tx1"/>
@@ -8108,15 +8016,26 @@
               <a:defRPr/>
             </a:pPr>
             <a:r>
-              <a:rPr lang="da-DK" b="1" spc="300" dirty="0" smtClean="0">
-                <a:solidFill>
-                  <a:schemeClr val="tx1"/>
+              <a:rPr lang="da-DK" b="1" spc="300" dirty="0">
+                <a:solidFill>
+                  <a:srgbClr val="FF0000"/>
                 </a:solidFill>
                 <a:latin typeface="Courier New" panose="02070309020205020404" pitchFamily="49" charset="0"/>
                 <a:ea typeface="Courier" pitchFamily="-1" charset="0"/>
                 <a:cs typeface="Courier New" panose="02070309020205020404" pitchFamily="49" charset="0"/>
               </a:rPr>
-              <a:t>x = 2; </a:t>
+              <a:t>int </a:t>
+            </a:r>
+            <a:r>
+              <a:rPr lang="da-DK" b="1" spc="300" dirty="0" smtClean="0">
+                <a:solidFill>
+                  <a:schemeClr val="tx1"/>
+                </a:solidFill>
+                <a:latin typeface="Courier New" panose="02070309020205020404" pitchFamily="49" charset="0"/>
+                <a:ea typeface="Courier" pitchFamily="-1" charset="0"/>
+                <a:cs typeface="Courier New" panose="02070309020205020404" pitchFamily="49" charset="0"/>
+              </a:rPr>
+              <a:t>y = 1;</a:t>
             </a:r>
             <a:endParaRPr lang="da-DK" b="1" spc="300" dirty="0">
               <a:solidFill>
@@ -8140,21 +8059,8 @@
                 <a:ea typeface="Courier" pitchFamily="-1" charset="0"/>
                 <a:cs typeface="Courier New" panose="02070309020205020404" pitchFamily="49" charset="0"/>
               </a:rPr>
-              <a:t>y = 1;</a:t>
-            </a:r>
-            <a:endParaRPr lang="da-DK" b="1" spc="300" dirty="0">
-              <a:solidFill>
-                <a:schemeClr val="tx1"/>
-              </a:solidFill>
-              <a:latin typeface="Courier New" panose="02070309020205020404" pitchFamily="49" charset="0"/>
-              <a:ea typeface="Courier" pitchFamily="-1" charset="0"/>
-              <a:cs typeface="Courier New" panose="02070309020205020404" pitchFamily="49" charset="0"/>
-            </a:endParaRPr>
-          </a:p>
-          <a:p>
-            <a:pPr>
-              <a:defRPr/>
-            </a:pPr>
+              <a:t>x </a:t>
+            </a:r>
             <a:r>
               <a:rPr lang="da-DK" b="1" spc="300" dirty="0" smtClean="0">
                 <a:solidFill>
@@ -8164,7 +8070,7 @@
                 <a:ea typeface="Courier" pitchFamily="-1" charset="0"/>
                 <a:cs typeface="Courier New" panose="02070309020205020404" pitchFamily="49" charset="0"/>
               </a:rPr>
-              <a:t>x = </a:t>
+              <a:t>= </a:t>
             </a:r>
             <a:r>
               <a:rPr lang="da-DK" b="1" spc="300" dirty="0" err="1" smtClean="0">
@@ -8250,7 +8156,7 @@
         </p:nvSpPr>
         <p:spPr bwMode="auto">
           <a:xfrm>
-            <a:off x="525901" y="5607963"/>
+            <a:off x="525901" y="4954667"/>
             <a:ext cx="576064" cy="341040"/>
           </a:xfrm>
           <a:prstGeom prst="rightArrow">
@@ -8318,7 +8224,7 @@
         </p:nvSpPr>
         <p:spPr bwMode="auto">
           <a:xfrm>
-            <a:off x="4084566" y="2509011"/>
+            <a:off x="3940550" y="2024986"/>
             <a:ext cx="764468" cy="400110"/>
           </a:xfrm>
           <a:prstGeom prst="rect">
@@ -8486,7 +8392,7 @@
         </p:nvSpPr>
         <p:spPr bwMode="auto">
           <a:xfrm>
-            <a:off x="4084566" y="3013067"/>
+            <a:off x="3940550" y="2529042"/>
             <a:ext cx="764468" cy="400110"/>
           </a:xfrm>
           <a:prstGeom prst="rect">
@@ -8650,7 +8556,7 @@
         </p:nvSpPr>
         <p:spPr bwMode="auto">
           <a:xfrm>
-            <a:off x="4876654" y="2509011"/>
+            <a:off x="4732638" y="2024986"/>
             <a:ext cx="360040" cy="400110"/>
           </a:xfrm>
           <a:prstGeom prst="rect">
@@ -8814,7 +8720,7 @@
         </p:nvSpPr>
         <p:spPr bwMode="auto">
           <a:xfrm>
-            <a:off x="4516614" y="2509011"/>
+            <a:off x="4372598" y="2024986"/>
             <a:ext cx="360040" cy="400110"/>
           </a:xfrm>
           <a:prstGeom prst="rect">
@@ -8982,7 +8888,7 @@
         </p:nvSpPr>
         <p:spPr bwMode="auto">
           <a:xfrm>
-            <a:off x="4876654" y="3013067"/>
+            <a:off x="4732638" y="2529042"/>
             <a:ext cx="360040" cy="400110"/>
           </a:xfrm>
           <a:prstGeom prst="rect">
@@ -9146,7 +9052,7 @@
         </p:nvSpPr>
         <p:spPr bwMode="auto">
           <a:xfrm>
-            <a:off x="4488994" y="3010028"/>
+            <a:off x="4344978" y="2526003"/>
             <a:ext cx="360040" cy="400110"/>
           </a:xfrm>
           <a:prstGeom prst="rect">
@@ -9319,7 +9225,7 @@
         </p:nvSpPr>
         <p:spPr bwMode="auto">
           <a:xfrm>
-            <a:off x="4889065" y="2517442"/>
+            <a:off x="4745049" y="2033417"/>
             <a:ext cx="360040" cy="400110"/>
           </a:xfrm>
           <a:prstGeom prst="rect">
@@ -9487,7 +9393,7 @@
         </p:nvSpPr>
         <p:spPr bwMode="auto">
           <a:xfrm>
-            <a:off x="5292080" y="2512207"/>
+            <a:off x="5148064" y="2028182"/>
             <a:ext cx="360040" cy="400110"/>
           </a:xfrm>
           <a:prstGeom prst="rect">
@@ -18290,7 +18196,7 @@
         </p:nvSpPr>
         <p:spPr bwMode="auto">
           <a:xfrm>
-            <a:off x="990699" y="4507106"/>
+            <a:off x="990699" y="4005064"/>
             <a:ext cx="2670448" cy="1938992"/>
           </a:xfrm>
           <a:prstGeom prst="rect">
@@ -18518,7 +18424,7 @@
         <p:spPr bwMode="auto">
           <a:xfrm>
             <a:off x="914014" y="1700808"/>
-            <a:ext cx="3225938" cy="2554545"/>
+            <a:ext cx="3225938" cy="1938992"/>
           </a:xfrm>
           <a:prstGeom prst="rect">
             <a:avLst/>
@@ -18652,70 +18558,64 @@
               <a:defRPr/>
             </a:pPr>
             <a:r>
-              <a:rPr lang="da-DK" b="1" spc="300" dirty="0" err="1" smtClean="0">
+              <a:rPr lang="da-DK" b="1" spc="300" dirty="0" smtClean="0">
                 <a:solidFill>
                   <a:srgbClr val="FF0000"/>
                 </a:solidFill>
                 <a:latin typeface="Courier New" panose="02070309020205020404" pitchFamily="49" charset="0"/>
                 <a:cs typeface="Courier New" panose="02070309020205020404" pitchFamily="49" charset="0"/>
               </a:rPr>
-              <a:t>int</a:t>
+              <a:t>int </a:t>
             </a:r>
             <a:r>
               <a:rPr lang="da-DK" b="1" spc="300" dirty="0" smtClean="0">
                 <a:solidFill>
-                  <a:srgbClr val="FF0000"/>
+                  <a:schemeClr val="tx1"/>
                 </a:solidFill>
                 <a:latin typeface="Courier New" panose="02070309020205020404" pitchFamily="49" charset="0"/>
                 <a:cs typeface="Courier New" panose="02070309020205020404" pitchFamily="49" charset="0"/>
               </a:rPr>
-              <a:t> </a:t>
-            </a:r>
-            <a:r>
-              <a:rPr lang="da-DK" b="1" spc="300" dirty="0" smtClean="0">
-                <a:solidFill>
-                  <a:schemeClr val="tx1"/>
-                </a:solidFill>
-                <a:latin typeface="Courier New" panose="02070309020205020404" pitchFamily="49" charset="0"/>
-                <a:cs typeface="Courier New" panose="02070309020205020404" pitchFamily="49" charset="0"/>
-              </a:rPr>
-              <a:t>x;</a:t>
-            </a:r>
+              <a:t>x = 1;</a:t>
+            </a:r>
+            <a:endParaRPr lang="da-DK" b="1" spc="300" dirty="0" smtClean="0">
+              <a:solidFill>
+                <a:schemeClr val="tx1"/>
+              </a:solidFill>
+              <a:latin typeface="Courier New" panose="02070309020205020404" pitchFamily="49" charset="0"/>
+              <a:cs typeface="Courier New" panose="02070309020205020404" pitchFamily="49" charset="0"/>
+            </a:endParaRPr>
           </a:p>
           <a:p>
             <a:pPr eaLnBrk="1" hangingPunct="1">
               <a:defRPr/>
             </a:pPr>
             <a:r>
-              <a:rPr lang="da-DK" b="1" spc="300" dirty="0" err="1" smtClean="0">
+              <a:rPr lang="da-DK" b="1" spc="300" dirty="0" smtClean="0">
                 <a:solidFill>
                   <a:srgbClr val="FF0000"/>
                 </a:solidFill>
                 <a:latin typeface="Courier New" panose="02070309020205020404" pitchFamily="49" charset="0"/>
                 <a:cs typeface="Courier New" panose="02070309020205020404" pitchFamily="49" charset="0"/>
               </a:rPr>
-              <a:t>int</a:t>
+              <a:t>int </a:t>
             </a:r>
             <a:r>
               <a:rPr lang="da-DK" b="1" spc="300" dirty="0" smtClean="0">
                 <a:solidFill>
-                  <a:srgbClr val="FF0000"/>
+                  <a:schemeClr val="tx1"/>
                 </a:solidFill>
                 <a:latin typeface="Courier New" panose="02070309020205020404" pitchFamily="49" charset="0"/>
                 <a:cs typeface="Courier New" panose="02070309020205020404" pitchFamily="49" charset="0"/>
               </a:rPr>
-              <a:t> </a:t>
-            </a:r>
-            <a:r>
-              <a:rPr lang="da-DK" b="1" spc="300" dirty="0" smtClean="0">
-                <a:solidFill>
-                  <a:schemeClr val="tx1"/>
-                </a:solidFill>
-                <a:latin typeface="Courier New" panose="02070309020205020404" pitchFamily="49" charset="0"/>
-                <a:cs typeface="Courier New" panose="02070309020205020404" pitchFamily="49" charset="0"/>
-              </a:rPr>
-              <a:t>y;</a:t>
-            </a:r>
+              <a:t>y = 2;</a:t>
+            </a:r>
+            <a:endParaRPr lang="da-DK" b="1" spc="300" dirty="0" smtClean="0">
+              <a:solidFill>
+                <a:schemeClr val="tx1"/>
+              </a:solidFill>
+              <a:latin typeface="Courier New" panose="02070309020205020404" pitchFamily="49" charset="0"/>
+              <a:cs typeface="Courier New" panose="02070309020205020404" pitchFamily="49" charset="0"/>
+            </a:endParaRPr>
           </a:p>
           <a:p>
             <a:pPr eaLnBrk="1" hangingPunct="1">
@@ -18724,36 +18624,6 @@
             <a:r>
               <a:rPr lang="da-DK" b="1" spc="300" dirty="0" smtClean="0">
                 <a:solidFill>
-                  <a:schemeClr val="tx1"/>
-                </a:solidFill>
-                <a:latin typeface="Courier New" panose="02070309020205020404" pitchFamily="49" charset="0"/>
-                <a:cs typeface="Courier New" panose="02070309020205020404" pitchFamily="49" charset="0"/>
-              </a:rPr>
-              <a:t>x = 1; </a:t>
-            </a:r>
-          </a:p>
-          <a:p>
-            <a:pPr eaLnBrk="1" hangingPunct="1">
-              <a:defRPr/>
-            </a:pPr>
-            <a:r>
-              <a:rPr lang="da-DK" b="1" spc="300" dirty="0" smtClean="0">
-                <a:solidFill>
-                  <a:schemeClr val="tx1"/>
-                </a:solidFill>
-                <a:latin typeface="Courier New" panose="02070309020205020404" pitchFamily="49" charset="0"/>
-                <a:cs typeface="Courier New" panose="02070309020205020404" pitchFamily="49" charset="0"/>
-              </a:rPr>
-              <a:t>y = 2;</a:t>
-            </a:r>
-          </a:p>
-          <a:p>
-            <a:pPr eaLnBrk="1" hangingPunct="1">
-              <a:defRPr/>
-            </a:pPr>
-            <a:r>
-              <a:rPr lang="da-DK" b="1" spc="300" dirty="0" smtClean="0">
-                <a:solidFill>
                   <a:srgbClr val="800080"/>
                 </a:solidFill>
                 <a:latin typeface="Courier New" panose="02070309020205020404" pitchFamily="49" charset="0"/>
@@ -18769,7 +18639,7 @@
                 <a:latin typeface="Courier New" panose="02070309020205020404" pitchFamily="49" charset="0"/>
                 <a:cs typeface="Courier New" panose="02070309020205020404" pitchFamily="49" charset="0"/>
               </a:rPr>
-              <a:t>(</a:t>
+              <a:t>(x</a:t>
             </a:r>
             <a:r>
               <a:rPr lang="da-DK" sz="800" b="1" spc="300" dirty="0" smtClean="0">
@@ -18789,7 +18659,7 @@
                 <a:latin typeface="Courier New" panose="02070309020205020404" pitchFamily="49" charset="0"/>
                 <a:cs typeface="Courier New" panose="02070309020205020404" pitchFamily="49" charset="0"/>
               </a:rPr>
-              <a:t>x</a:t>
+              <a:t>&lt;</a:t>
             </a:r>
             <a:r>
               <a:rPr lang="da-DK" sz="800" b="1" spc="300" dirty="0" smtClean="0">
@@ -18809,47 +18679,17 @@
                 <a:latin typeface="Courier New" panose="02070309020205020404" pitchFamily="49" charset="0"/>
                 <a:cs typeface="Courier New" panose="02070309020205020404" pitchFamily="49" charset="0"/>
               </a:rPr>
-              <a:t>&lt;</a:t>
-            </a:r>
-            <a:r>
-              <a:rPr lang="da-DK" sz="800" b="1" spc="300" dirty="0" smtClean="0">
+              <a:t>y-1) </a:t>
+            </a:r>
+            <a:r>
+              <a:rPr lang="da-DK" b="1" spc="300" dirty="0" smtClean="0">
                 <a:solidFill>
                   <a:schemeClr val="tx1"/>
                 </a:solidFill>
                 <a:latin typeface="Courier New" panose="02070309020205020404" pitchFamily="49" charset="0"/>
                 <a:cs typeface="Courier New" panose="02070309020205020404" pitchFamily="49" charset="0"/>
               </a:rPr>
-              <a:t> </a:t>
-            </a:r>
-            <a:r>
-              <a:rPr lang="da-DK" b="1" spc="300" dirty="0" smtClean="0">
-                <a:solidFill>
-                  <a:schemeClr val="tx1"/>
-                </a:solidFill>
-                <a:latin typeface="Courier New" panose="02070309020205020404" pitchFamily="49" charset="0"/>
-                <a:cs typeface="Courier New" panose="02070309020205020404" pitchFamily="49" charset="0"/>
-              </a:rPr>
-              <a:t>y-1</a:t>
-            </a:r>
-            <a:r>
-              <a:rPr lang="da-DK" sz="800" b="1" spc="300" dirty="0" smtClean="0">
-                <a:solidFill>
-                  <a:schemeClr val="tx1"/>
-                </a:solidFill>
-                <a:latin typeface="Courier New" panose="02070309020205020404" pitchFamily="49" charset="0"/>
-                <a:cs typeface="Courier New" panose="02070309020205020404" pitchFamily="49" charset="0"/>
-              </a:rPr>
-              <a:t> </a:t>
-            </a:r>
-            <a:r>
-              <a:rPr lang="da-DK" b="1" spc="300" dirty="0" smtClean="0">
-                <a:solidFill>
-                  <a:schemeClr val="tx1"/>
-                </a:solidFill>
-                <a:latin typeface="Courier New" panose="02070309020205020404" pitchFamily="49" charset="0"/>
-                <a:cs typeface="Courier New" panose="02070309020205020404" pitchFamily="49" charset="0"/>
-              </a:rPr>
-              <a:t>) {</a:t>
+              <a:t>{</a:t>
             </a:r>
           </a:p>
           <a:p>
@@ -19091,7 +18931,7 @@
         </p:nvSpPr>
         <p:spPr bwMode="auto">
           <a:xfrm>
-            <a:off x="390534" y="4579114"/>
+            <a:off x="390534" y="4077072"/>
             <a:ext cx="576064" cy="341040"/>
           </a:xfrm>
           <a:prstGeom prst="rightArrow">
@@ -20339,7 +20179,7 @@
         </p:nvSpPr>
         <p:spPr bwMode="auto">
           <a:xfrm>
-            <a:off x="1042937" y="3914599"/>
+            <a:off x="1015986" y="3291739"/>
             <a:ext cx="1584847" cy="276237"/>
           </a:xfrm>
           <a:prstGeom prst="rect">
@@ -20570,7 +20410,7 @@
         </p:nvGrpSpPr>
         <p:grpSpPr>
           <a:xfrm>
-            <a:off x="1384807" y="3291704"/>
+            <a:off x="1357856" y="2668844"/>
             <a:ext cx="1584847" cy="277176"/>
             <a:chOff x="1384807" y="3435720"/>
             <a:chExt cx="1584847" cy="277176"/>
@@ -21355,7 +21195,7 @@
         <p:spPr bwMode="auto">
           <a:xfrm>
             <a:off x="1006961" y="1539128"/>
-            <a:ext cx="3137359" cy="3170099"/>
+            <a:ext cx="3137359" cy="2554545"/>
           </a:xfrm>
           <a:prstGeom prst="rect">
             <a:avLst/>
@@ -21489,90 +21329,47 @@
               <a:defRPr/>
             </a:pPr>
             <a:r>
-              <a:rPr lang="da-DK" b="1" spc="300" dirty="0" err="1" smtClean="0">
+              <a:rPr lang="da-DK" b="1" spc="300" dirty="0" smtClean="0">
                 <a:solidFill>
                   <a:srgbClr val="FF0000"/>
                 </a:solidFill>
                 <a:latin typeface="Courier New" panose="02070309020205020404" pitchFamily="49" charset="0"/>
                 <a:cs typeface="Courier New" panose="02070309020205020404" pitchFamily="49" charset="0"/>
               </a:rPr>
-              <a:t>int</a:t>
+              <a:t>int </a:t>
             </a:r>
             <a:r>
               <a:rPr lang="da-DK" b="1" spc="300" dirty="0" smtClean="0">
                 <a:solidFill>
-                  <a:srgbClr val="FF0000"/>
+                  <a:schemeClr val="tx1"/>
                 </a:solidFill>
                 <a:latin typeface="Courier New" panose="02070309020205020404" pitchFamily="49" charset="0"/>
                 <a:cs typeface="Courier New" panose="02070309020205020404" pitchFamily="49" charset="0"/>
               </a:rPr>
-              <a:t> </a:t>
-            </a:r>
-            <a:r>
-              <a:rPr lang="da-DK" b="1" spc="300" dirty="0" smtClean="0">
-                <a:solidFill>
-                  <a:schemeClr val="tx1"/>
-                </a:solidFill>
-                <a:latin typeface="Courier New" panose="02070309020205020404" pitchFamily="49" charset="0"/>
-                <a:cs typeface="Courier New" panose="02070309020205020404" pitchFamily="49" charset="0"/>
-              </a:rPr>
-              <a:t>x;</a:t>
-            </a:r>
+              <a:t>x = 1;</a:t>
+            </a:r>
+            <a:endParaRPr lang="da-DK" b="1" spc="300" dirty="0" smtClean="0">
+              <a:solidFill>
+                <a:schemeClr val="tx1"/>
+              </a:solidFill>
+              <a:latin typeface="Courier New" panose="02070309020205020404" pitchFamily="49" charset="0"/>
+              <a:cs typeface="Courier New" panose="02070309020205020404" pitchFamily="49" charset="0"/>
+            </a:endParaRPr>
           </a:p>
           <a:p>
             <a:pPr eaLnBrk="1" hangingPunct="1">
               <a:defRPr/>
             </a:pPr>
             <a:r>
-              <a:rPr lang="da-DK" b="1" spc="300" dirty="0" err="1" smtClean="0">
+              <a:rPr lang="da-DK" b="1" spc="300" dirty="0" smtClean="0">
                 <a:solidFill>
                   <a:srgbClr val="FF0000"/>
                 </a:solidFill>
                 <a:latin typeface="Courier New" panose="02070309020205020404" pitchFamily="49" charset="0"/>
                 <a:cs typeface="Courier New" panose="02070309020205020404" pitchFamily="49" charset="0"/>
               </a:rPr>
-              <a:t>int</a:t>
-            </a:r>
-            <a:r>
-              <a:rPr lang="da-DK" b="1" spc="300" dirty="0" smtClean="0">
-                <a:solidFill>
-                  <a:srgbClr val="FF0000"/>
-                </a:solidFill>
-                <a:latin typeface="Courier New" panose="02070309020205020404" pitchFamily="49" charset="0"/>
-                <a:cs typeface="Courier New" panose="02070309020205020404" pitchFamily="49" charset="0"/>
-              </a:rPr>
-              <a:t> </a:t>
-            </a:r>
-            <a:r>
-              <a:rPr lang="da-DK" b="1" spc="300" dirty="0" smtClean="0">
-                <a:solidFill>
-                  <a:schemeClr val="tx1"/>
-                </a:solidFill>
-                <a:latin typeface="Courier New" panose="02070309020205020404" pitchFamily="49" charset="0"/>
-                <a:cs typeface="Courier New" panose="02070309020205020404" pitchFamily="49" charset="0"/>
-              </a:rPr>
-              <a:t>y;</a:t>
-            </a:r>
-          </a:p>
-          <a:p>
-            <a:pPr eaLnBrk="1" hangingPunct="1">
-              <a:defRPr/>
-            </a:pPr>
-            <a:r>
-              <a:rPr lang="da-DK" b="1" spc="300" dirty="0" smtClean="0">
-                <a:solidFill>
-                  <a:schemeClr val="tx1"/>
-                </a:solidFill>
-                <a:latin typeface="Courier New" panose="02070309020205020404" pitchFamily="49" charset="0"/>
-                <a:cs typeface="Courier New" panose="02070309020205020404" pitchFamily="49" charset="0"/>
-              </a:rPr>
-              <a:t>x = 1; </a:t>
-            </a:r>
-          </a:p>
-          <a:p>
-            <a:pPr eaLnBrk="1" hangingPunct="1">
-              <a:defRPr/>
-            </a:pPr>
+              <a:t>int </a:t>
+            </a:r>
             <a:r>
               <a:rPr lang="da-DK" b="1" spc="300" dirty="0" smtClean="0">
                 <a:solidFill>
@@ -21583,6 +21380,13 @@
               </a:rPr>
               <a:t>y = -1;</a:t>
             </a:r>
+            <a:endParaRPr lang="da-DK" b="1" spc="300" dirty="0" smtClean="0">
+              <a:solidFill>
+                <a:schemeClr val="tx1"/>
+              </a:solidFill>
+              <a:latin typeface="Courier New" panose="02070309020205020404" pitchFamily="49" charset="0"/>
+              <a:cs typeface="Courier New" panose="02070309020205020404" pitchFamily="49" charset="0"/>
+            </a:endParaRPr>
           </a:p>
           <a:p>
             <a:pPr eaLnBrk="1" hangingPunct="1">
@@ -21760,7 +21564,7 @@
         </p:nvSpPr>
         <p:spPr bwMode="auto">
           <a:xfrm>
-            <a:off x="1074038" y="4797152"/>
+            <a:off x="1074038" y="4437112"/>
             <a:ext cx="2520280" cy="1938992"/>
           </a:xfrm>
           <a:prstGeom prst="rect">
@@ -22034,7 +21838,7 @@
         </p:nvSpPr>
         <p:spPr bwMode="auto">
           <a:xfrm>
-            <a:off x="497974" y="5596128"/>
+            <a:off x="497974" y="5236088"/>
             <a:ext cx="576064" cy="341040"/>
           </a:xfrm>
           <a:prstGeom prst="rightArrow">
@@ -22102,7 +21906,7 @@
         </p:nvSpPr>
         <p:spPr bwMode="auto">
           <a:xfrm>
-            <a:off x="4860032" y="1968008"/>
+            <a:off x="4788024" y="1846045"/>
             <a:ext cx="764468" cy="400110"/>
           </a:xfrm>
           <a:prstGeom prst="rect">
@@ -22270,7 +22074,7 @@
         </p:nvSpPr>
         <p:spPr bwMode="auto">
           <a:xfrm>
-            <a:off x="4860032" y="2400056"/>
+            <a:off x="4788024" y="2278093"/>
             <a:ext cx="963120" cy="400110"/>
           </a:xfrm>
           <a:prstGeom prst="rect">
@@ -22434,7 +22238,7 @@
         </p:nvSpPr>
         <p:spPr bwMode="auto">
           <a:xfrm>
-            <a:off x="5579705" y="1968008"/>
+            <a:off x="5507697" y="1846045"/>
             <a:ext cx="576064" cy="400110"/>
           </a:xfrm>
           <a:prstGeom prst="rect">
@@ -22598,7 +22402,7 @@
         </p:nvSpPr>
         <p:spPr bwMode="auto">
           <a:xfrm>
-            <a:off x="5269584" y="1976689"/>
+            <a:off x="5197576" y="1854726"/>
             <a:ext cx="553568" cy="400110"/>
           </a:xfrm>
           <a:prstGeom prst="rect">
@@ -22766,7 +22570,7 @@
         </p:nvSpPr>
         <p:spPr bwMode="auto">
           <a:xfrm>
-            <a:off x="4870878" y="2921262"/>
+            <a:off x="4798870" y="2799299"/>
             <a:ext cx="1528338" cy="400110"/>
           </a:xfrm>
           <a:prstGeom prst="rect">
@@ -22930,7 +22734,7 @@
         </p:nvSpPr>
         <p:spPr bwMode="auto">
           <a:xfrm>
-            <a:off x="4870878" y="3340605"/>
+            <a:off x="4798870" y="3218642"/>
             <a:ext cx="1528338" cy="400110"/>
           </a:xfrm>
           <a:prstGeom prst="rect">
@@ -23098,7 +22902,7 @@
         </p:nvSpPr>
         <p:spPr bwMode="auto">
           <a:xfrm>
-            <a:off x="4860032" y="3700645"/>
+            <a:off x="4788024" y="3578682"/>
             <a:ext cx="1312314" cy="400110"/>
           </a:xfrm>
           <a:prstGeom prst="rect">
@@ -23264,7 +23068,7 @@
         </p:nvSpPr>
         <p:spPr bwMode="auto">
           <a:xfrm>
-            <a:off x="1464140" y="3120988"/>
+            <a:off x="1475025" y="2533159"/>
             <a:ext cx="917283" cy="275800"/>
           </a:xfrm>
           <a:prstGeom prst="rect">
@@ -23495,7 +23299,7 @@
         </p:nvGrpSpPr>
         <p:grpSpPr>
           <a:xfrm>
-            <a:off x="1477713" y="4044424"/>
+            <a:off x="1488598" y="3456595"/>
             <a:ext cx="1584847" cy="277176"/>
             <a:chOff x="1384807" y="3435720"/>
             <a:chExt cx="1584847" cy="277176"/>
@@ -24247,7 +24051,7 @@
         <p:spPr bwMode="auto">
           <a:xfrm>
             <a:off x="955644" y="1536230"/>
-            <a:ext cx="3137359" cy="3424014"/>
+            <a:ext cx="3137359" cy="2862322"/>
           </a:xfrm>
           <a:prstGeom prst="rect">
             <a:avLst/>
@@ -24401,8 +24205,15 @@
                 <a:latin typeface="Courier New" panose="02070309020205020404" pitchFamily="49" charset="0"/>
                 <a:cs typeface="Courier New" panose="02070309020205020404" pitchFamily="49" charset="0"/>
               </a:rPr>
-              <a:t>x;</a:t>
-            </a:r>
+              <a:t>x = 1;</a:t>
+            </a:r>
+            <a:endParaRPr lang="da-DK" b="1" spc="300" dirty="0" smtClean="0">
+              <a:solidFill>
+                <a:schemeClr val="tx1"/>
+              </a:solidFill>
+              <a:latin typeface="Courier New" panose="02070309020205020404" pitchFamily="49" charset="0"/>
+              <a:cs typeface="Courier New" panose="02070309020205020404" pitchFamily="49" charset="0"/>
+            </a:endParaRPr>
           </a:p>
           <a:p>
             <a:pPr eaLnBrk="1" hangingPunct="1">
@@ -24429,8 +24240,15 @@
                 <a:latin typeface="Courier New" panose="02070309020205020404" pitchFamily="49" charset="0"/>
                 <a:cs typeface="Courier New" panose="02070309020205020404" pitchFamily="49" charset="0"/>
               </a:rPr>
-              <a:t>y;</a:t>
-            </a:r>
+              <a:t>y = 3;</a:t>
+            </a:r>
+            <a:endParaRPr lang="da-DK" b="1" spc="300" dirty="0" smtClean="0">
+              <a:solidFill>
+                <a:schemeClr val="tx1"/>
+              </a:solidFill>
+              <a:latin typeface="Courier New" panose="02070309020205020404" pitchFamily="49" charset="0"/>
+              <a:cs typeface="Courier New" panose="02070309020205020404" pitchFamily="49" charset="0"/>
+            </a:endParaRPr>
           </a:p>
           <a:p>
             <a:pPr eaLnBrk="1" hangingPunct="1">
@@ -24442,42 +24260,6 @@
             <a:r>
               <a:rPr lang="da-DK" b="1" spc="300" dirty="0" smtClean="0">
                 <a:solidFill>
-                  <a:schemeClr val="tx1"/>
-                </a:solidFill>
-                <a:latin typeface="Courier New" panose="02070309020205020404" pitchFamily="49" charset="0"/>
-                <a:cs typeface="Courier New" panose="02070309020205020404" pitchFamily="49" charset="0"/>
-              </a:rPr>
-              <a:t>x = 1; </a:t>
-            </a:r>
-          </a:p>
-          <a:p>
-            <a:pPr eaLnBrk="1" hangingPunct="1">
-              <a:lnSpc>
-                <a:spcPct val="90000"/>
-              </a:lnSpc>
-              <a:defRPr/>
-            </a:pPr>
-            <a:r>
-              <a:rPr lang="da-DK" b="1" spc="300" dirty="0" smtClean="0">
-                <a:solidFill>
-                  <a:schemeClr val="tx1"/>
-                </a:solidFill>
-                <a:latin typeface="Courier New" panose="02070309020205020404" pitchFamily="49" charset="0"/>
-                <a:cs typeface="Courier New" panose="02070309020205020404" pitchFamily="49" charset="0"/>
-              </a:rPr>
-              <a:t>y = 3;</a:t>
-            </a:r>
-          </a:p>
-          <a:p>
-            <a:pPr eaLnBrk="1" hangingPunct="1">
-              <a:lnSpc>
-                <a:spcPct val="90000"/>
-              </a:lnSpc>
-              <a:defRPr/>
-            </a:pPr>
-            <a:r>
-              <a:rPr lang="da-DK" b="1" spc="300" dirty="0" smtClean="0">
-                <a:solidFill>
                   <a:srgbClr val="800080"/>
                 </a:solidFill>
                 <a:latin typeface="Courier New" panose="02070309020205020404" pitchFamily="49" charset="0"/>
@@ -24493,7 +24275,17 @@
                 <a:latin typeface="Courier New" panose="02070309020205020404" pitchFamily="49" charset="0"/>
                 <a:cs typeface="Courier New" panose="02070309020205020404" pitchFamily="49" charset="0"/>
               </a:rPr>
-              <a:t>(x &gt;</a:t>
+              <a:t>(x </a:t>
+            </a:r>
+            <a:r>
+              <a:rPr lang="da-DK" b="1" spc="300" dirty="0" smtClean="0">
+                <a:solidFill>
+                  <a:schemeClr val="tx1"/>
+                </a:solidFill>
+                <a:latin typeface="Courier New" panose="02070309020205020404" pitchFamily="49" charset="0"/>
+                <a:cs typeface="Courier New" panose="02070309020205020404" pitchFamily="49" charset="0"/>
+              </a:rPr>
+              <a:t>&gt;</a:t>
             </a:r>
             <a:r>
               <a:rPr lang="da-DK" sz="800" b="1" spc="300" dirty="0" smtClean="0">
@@ -24708,7 +24500,7 @@
         </p:nvSpPr>
         <p:spPr bwMode="auto">
           <a:xfrm>
-            <a:off x="1013358" y="5110152"/>
+            <a:off x="1013358" y="4653136"/>
             <a:ext cx="2520280" cy="1631216"/>
           </a:xfrm>
           <a:prstGeom prst="rect">
@@ -24982,7 +24774,7 @@
         </p:nvSpPr>
         <p:spPr bwMode="auto">
           <a:xfrm>
-            <a:off x="437294" y="5439402"/>
+            <a:off x="437294" y="4982386"/>
             <a:ext cx="576064" cy="341040"/>
           </a:xfrm>
           <a:prstGeom prst="rightArrow">
@@ -25050,7 +24842,7 @@
         </p:nvSpPr>
         <p:spPr bwMode="auto">
           <a:xfrm>
-            <a:off x="4716016" y="2004482"/>
+            <a:off x="4639816" y="1808540"/>
             <a:ext cx="764468" cy="400110"/>
           </a:xfrm>
           <a:prstGeom prst="rect">
@@ -25218,7 +25010,7 @@
         </p:nvSpPr>
         <p:spPr bwMode="auto">
           <a:xfrm>
-            <a:off x="4716016" y="2436530"/>
+            <a:off x="4639816" y="2240588"/>
             <a:ext cx="963120" cy="400110"/>
           </a:xfrm>
           <a:prstGeom prst="rect">
@@ -25382,7 +25174,7 @@
         </p:nvSpPr>
         <p:spPr bwMode="auto">
           <a:xfrm>
-            <a:off x="5411196" y="2437189"/>
+            <a:off x="5334996" y="2241247"/>
             <a:ext cx="576064" cy="400110"/>
           </a:xfrm>
           <a:prstGeom prst="rect">
@@ -25546,7 +25338,7 @@
         </p:nvSpPr>
         <p:spPr bwMode="auto">
           <a:xfrm>
-            <a:off x="5109239" y="2445870"/>
+            <a:off x="5033039" y="2249928"/>
             <a:ext cx="553568" cy="400110"/>
           </a:xfrm>
           <a:prstGeom prst="rect">
@@ -25714,7 +25506,7 @@
         </p:nvSpPr>
         <p:spPr bwMode="auto">
           <a:xfrm>
-            <a:off x="4726862" y="2957736"/>
+            <a:off x="4650662" y="2761794"/>
             <a:ext cx="1528338" cy="400110"/>
           </a:xfrm>
           <a:prstGeom prst="rect">
@@ -25878,7 +25670,7 @@
         </p:nvSpPr>
         <p:spPr bwMode="auto">
           <a:xfrm>
-            <a:off x="4726862" y="3377079"/>
+            <a:off x="4650662" y="3181137"/>
             <a:ext cx="1528338" cy="400110"/>
           </a:xfrm>
           <a:prstGeom prst="rect">
@@ -26046,7 +25838,7 @@
         </p:nvSpPr>
         <p:spPr bwMode="auto">
           <a:xfrm>
-            <a:off x="4716016" y="3737119"/>
+            <a:off x="4639816" y="3541177"/>
             <a:ext cx="1312314" cy="400110"/>
           </a:xfrm>
           <a:prstGeom prst="rect">
@@ -26212,7 +26004,7 @@
         </p:nvSpPr>
         <p:spPr bwMode="auto">
           <a:xfrm>
-            <a:off x="1480152" y="3745791"/>
+            <a:off x="1425724" y="3234163"/>
             <a:ext cx="2175191" cy="938530"/>
           </a:xfrm>
           <a:prstGeom prst="rect">
@@ -26443,7 +26235,7 @@
         </p:nvGrpSpPr>
         <p:grpSpPr>
           <a:xfrm>
-            <a:off x="1451124" y="2960055"/>
+            <a:off x="1396696" y="2448427"/>
             <a:ext cx="1153242" cy="277176"/>
             <a:chOff x="1384807" y="3435720"/>
             <a:chExt cx="1584847" cy="277176"/>
@@ -26578,7 +26370,7 @@
         </p:nvSpPr>
         <p:spPr bwMode="auto">
           <a:xfrm>
-            <a:off x="6136562" y="2938686"/>
+            <a:off x="6060362" y="2742744"/>
             <a:ext cx="1528338" cy="400110"/>
           </a:xfrm>
           <a:prstGeom prst="rect">
@@ -26750,7 +26542,7 @@
         </p:nvSpPr>
         <p:spPr bwMode="auto">
           <a:xfrm>
-            <a:off x="6136562" y="3358029"/>
+            <a:off x="6060362" y="3162087"/>
             <a:ext cx="1528338" cy="400110"/>
           </a:xfrm>
           <a:prstGeom prst="rect">
@@ -26918,7 +26710,7 @@
         </p:nvSpPr>
         <p:spPr bwMode="auto">
           <a:xfrm>
-            <a:off x="6125716" y="3718069"/>
+            <a:off x="6049516" y="3522127"/>
             <a:ext cx="1312314" cy="400110"/>
           </a:xfrm>
           <a:prstGeom prst="rect">
@@ -27853,7 +27645,7 @@
         <p:spPr bwMode="auto">
           <a:xfrm>
             <a:off x="947576" y="1844824"/>
-            <a:ext cx="3137359" cy="2246769"/>
+            <a:ext cx="3768440" cy="1631216"/>
           </a:xfrm>
           <a:prstGeom prst="rect">
             <a:avLst/>
@@ -27997,15 +27789,42 @@
               <a:t>boolean </a:t>
             </a:r>
             <a:r>
-              <a:rPr lang="da-DK" b="1" spc="300" dirty="0" smtClean="0">
+              <a:rPr lang="da-DK" b="1" spc="300" dirty="0">
                 <a:solidFill>
                   <a:schemeClr val="tx1"/>
                 </a:solidFill>
                 <a:latin typeface="Courier New" panose="02070309020205020404" pitchFamily="49" charset="0"/>
                 <a:cs typeface="Courier New" panose="02070309020205020404" pitchFamily="49" charset="0"/>
               </a:rPr>
-              <a:t>x;</a:t>
-            </a:r>
+              <a:t>x = </a:t>
+            </a:r>
+            <a:r>
+              <a:rPr lang="da-DK" b="1" spc="300" dirty="0">
+                <a:solidFill>
+                  <a:srgbClr val="0070C0"/>
+                </a:solidFill>
+                <a:latin typeface="Courier New" panose="02070309020205020404" pitchFamily="49" charset="0"/>
+                <a:cs typeface="Courier New" panose="02070309020205020404" pitchFamily="49" charset="0"/>
+              </a:rPr>
+              <a:t>false</a:t>
+            </a:r>
+            <a:r>
+              <a:rPr lang="da-DK" b="1" spc="300" dirty="0" smtClean="0">
+                <a:solidFill>
+                  <a:schemeClr val="tx1"/>
+                </a:solidFill>
+                <a:latin typeface="Courier New" panose="02070309020205020404" pitchFamily="49" charset="0"/>
+                <a:cs typeface="Courier New" panose="02070309020205020404" pitchFamily="49" charset="0"/>
+              </a:rPr>
+              <a:t>;</a:t>
+            </a:r>
+            <a:endParaRPr lang="da-DK" b="1" spc="300" dirty="0" smtClean="0">
+              <a:solidFill>
+                <a:schemeClr val="tx1"/>
+              </a:solidFill>
+              <a:latin typeface="Courier New" panose="02070309020205020404" pitchFamily="49" charset="0"/>
+              <a:cs typeface="Courier New" panose="02070309020205020404" pitchFamily="49" charset="0"/>
+            </a:endParaRPr>
           </a:p>
           <a:p>
             <a:pPr eaLnBrk="1" hangingPunct="1">
@@ -28022,15 +27841,42 @@
               <a:t>boolean </a:t>
             </a:r>
             <a:r>
-              <a:rPr lang="da-DK" b="1" spc="300" dirty="0" smtClean="0">
+              <a:rPr lang="da-DK" b="1" spc="300" dirty="0">
                 <a:solidFill>
                   <a:schemeClr val="tx1"/>
                 </a:solidFill>
                 <a:latin typeface="Courier New" panose="02070309020205020404" pitchFamily="49" charset="0"/>
                 <a:cs typeface="Courier New" panose="02070309020205020404" pitchFamily="49" charset="0"/>
               </a:rPr>
-              <a:t>y;</a:t>
-            </a:r>
+              <a:t>y = </a:t>
+            </a:r>
+            <a:r>
+              <a:rPr lang="da-DK" b="1" spc="300" dirty="0">
+                <a:solidFill>
+                  <a:srgbClr val="0070C0"/>
+                </a:solidFill>
+                <a:latin typeface="Courier New" panose="02070309020205020404" pitchFamily="49" charset="0"/>
+                <a:cs typeface="Courier New" panose="02070309020205020404" pitchFamily="49" charset="0"/>
+              </a:rPr>
+              <a:t>true</a:t>
+            </a:r>
+            <a:r>
+              <a:rPr lang="da-DK" b="1" spc="300" dirty="0" smtClean="0">
+                <a:solidFill>
+                  <a:schemeClr val="tx1"/>
+                </a:solidFill>
+                <a:latin typeface="Courier New" panose="02070309020205020404" pitchFamily="49" charset="0"/>
+                <a:cs typeface="Courier New" panose="02070309020205020404" pitchFamily="49" charset="0"/>
+              </a:rPr>
+              <a:t>;</a:t>
+            </a:r>
+            <a:endParaRPr lang="da-DK" b="1" spc="300" dirty="0" smtClean="0">
+              <a:solidFill>
+                <a:schemeClr val="tx1"/>
+              </a:solidFill>
+              <a:latin typeface="Courier New" panose="02070309020205020404" pitchFamily="49" charset="0"/>
+              <a:cs typeface="Courier New" panose="02070309020205020404" pitchFamily="49" charset="0"/>
+            </a:endParaRPr>
           </a:p>
           <a:p>
             <a:pPr eaLnBrk="1" hangingPunct="1">
@@ -28039,76 +27885,6 @@
             <a:r>
               <a:rPr lang="da-DK" b="1" spc="300" dirty="0" smtClean="0">
                 <a:solidFill>
-                  <a:schemeClr val="tx1"/>
-                </a:solidFill>
-                <a:latin typeface="Courier New" panose="02070309020205020404" pitchFamily="49" charset="0"/>
-                <a:cs typeface="Courier New" panose="02070309020205020404" pitchFamily="49" charset="0"/>
-              </a:rPr>
-              <a:t>x = </a:t>
-            </a:r>
-            <a:r>
-              <a:rPr lang="da-DK" b="1" spc="300" dirty="0" smtClean="0">
-                <a:solidFill>
-                  <a:srgbClr val="0070C0"/>
-                </a:solidFill>
-                <a:latin typeface="Courier New" panose="02070309020205020404" pitchFamily="49" charset="0"/>
-                <a:cs typeface="Courier New" panose="02070309020205020404" pitchFamily="49" charset="0"/>
-              </a:rPr>
-              <a:t>false</a:t>
-            </a:r>
-            <a:r>
-              <a:rPr lang="da-DK" b="1" spc="300" dirty="0" smtClean="0">
-                <a:solidFill>
-                  <a:schemeClr val="tx1"/>
-                </a:solidFill>
-                <a:latin typeface="Courier New" panose="02070309020205020404" pitchFamily="49" charset="0"/>
-                <a:cs typeface="Courier New" panose="02070309020205020404" pitchFamily="49" charset="0"/>
-              </a:rPr>
-              <a:t>; </a:t>
-            </a:r>
-          </a:p>
-          <a:p>
-            <a:pPr eaLnBrk="1" hangingPunct="1">
-              <a:defRPr/>
-            </a:pPr>
-            <a:r>
-              <a:rPr lang="da-DK" b="1" spc="300" dirty="0" smtClean="0">
-                <a:solidFill>
-                  <a:schemeClr val="tx1"/>
-                </a:solidFill>
-                <a:latin typeface="Courier New" panose="02070309020205020404" pitchFamily="49" charset="0"/>
-                <a:cs typeface="Courier New" panose="02070309020205020404" pitchFamily="49" charset="0"/>
-              </a:rPr>
-              <a:t>y = </a:t>
-            </a:r>
-            <a:r>
-              <a:rPr lang="da-DK" b="1" spc="300" dirty="0" smtClean="0">
-                <a:solidFill>
-                  <a:srgbClr val="0070C0"/>
-                </a:solidFill>
-                <a:latin typeface="Courier New" panose="02070309020205020404" pitchFamily="49" charset="0"/>
-                <a:cs typeface="Courier New" panose="02070309020205020404" pitchFamily="49" charset="0"/>
-              </a:rPr>
-              <a:t>true</a:t>
-            </a:r>
-            <a:r>
-              <a:rPr lang="da-DK" b="1" spc="300" dirty="0" smtClean="0">
-                <a:solidFill>
-                  <a:schemeClr val="tx1"/>
-                </a:solidFill>
-                <a:latin typeface="Courier New" panose="02070309020205020404" pitchFamily="49" charset="0"/>
-                <a:cs typeface="Courier New" panose="02070309020205020404" pitchFamily="49" charset="0"/>
-              </a:rPr>
-              <a:t>;</a:t>
-            </a:r>
-          </a:p>
-          <a:p>
-            <a:pPr eaLnBrk="1" hangingPunct="1">
-              <a:defRPr/>
-            </a:pPr>
-            <a:r>
-              <a:rPr lang="da-DK" b="1" spc="300" dirty="0" smtClean="0">
-                <a:solidFill>
                   <a:srgbClr val="800080"/>
                 </a:solidFill>
                 <a:latin typeface="Courier New" panose="02070309020205020404" pitchFamily="49" charset="0"/>
@@ -28124,7 +27900,17 @@
                 <a:latin typeface="Courier New" panose="02070309020205020404" pitchFamily="49" charset="0"/>
                 <a:cs typeface="Courier New" panose="02070309020205020404" pitchFamily="49" charset="0"/>
               </a:rPr>
-              <a:t>(x != y) {</a:t>
+              <a:t>(x </a:t>
+            </a:r>
+            <a:r>
+              <a:rPr lang="da-DK" b="1" spc="300" dirty="0" smtClean="0">
+                <a:solidFill>
+                  <a:schemeClr val="tx1"/>
+                </a:solidFill>
+                <a:latin typeface="Courier New" panose="02070309020205020404" pitchFamily="49" charset="0"/>
+                <a:cs typeface="Courier New" panose="02070309020205020404" pitchFamily="49" charset="0"/>
+              </a:rPr>
+              <a:t>!= y) {</a:t>
             </a:r>
           </a:p>
           <a:p>
@@ -28169,7 +27955,7 @@
         </p:nvSpPr>
         <p:spPr bwMode="auto">
           <a:xfrm>
-            <a:off x="922920" y="4362016"/>
+            <a:off x="922920" y="3861048"/>
             <a:ext cx="3057396" cy="1554272"/>
           </a:xfrm>
           <a:prstGeom prst="rect">
@@ -28430,7 +28216,7 @@
         </p:nvSpPr>
         <p:spPr bwMode="auto">
           <a:xfrm>
-            <a:off x="326061" y="4388219"/>
+            <a:off x="326061" y="3887251"/>
             <a:ext cx="576064" cy="341040"/>
           </a:xfrm>
           <a:prstGeom prst="rightArrow">
@@ -28498,7 +28284,7 @@
         </p:nvSpPr>
         <p:spPr bwMode="auto">
           <a:xfrm>
-            <a:off x="4806941" y="1848566"/>
+            <a:off x="5508104" y="1848566"/>
             <a:ext cx="1271244" cy="400110"/>
           </a:xfrm>
           <a:prstGeom prst="rect">
@@ -28666,7 +28452,7 @@
         </p:nvSpPr>
         <p:spPr bwMode="auto">
           <a:xfrm>
-            <a:off x="4806941" y="2280614"/>
+            <a:off x="5508104" y="2280614"/>
             <a:ext cx="1068956" cy="400110"/>
           </a:xfrm>
           <a:prstGeom prst="rect">
@@ -28830,7 +28616,7 @@
         </p:nvSpPr>
         <p:spPr bwMode="auto">
           <a:xfrm>
-            <a:off x="5973031" y="1840760"/>
+            <a:off x="6674194" y="1840760"/>
             <a:ext cx="720080" cy="400110"/>
           </a:xfrm>
           <a:prstGeom prst="rect">
@@ -28998,7 +28784,7 @@
         </p:nvSpPr>
         <p:spPr bwMode="auto">
           <a:xfrm>
-            <a:off x="5218604" y="1849717"/>
+            <a:off x="5919767" y="1849717"/>
             <a:ext cx="725109" cy="400110"/>
           </a:xfrm>
           <a:prstGeom prst="rect">
@@ -29166,7 +28952,7 @@
         </p:nvSpPr>
         <p:spPr bwMode="auto">
           <a:xfrm>
-            <a:off x="4817787" y="2801820"/>
+            <a:off x="5518950" y="2801820"/>
             <a:ext cx="1528338" cy="400110"/>
           </a:xfrm>
           <a:prstGeom prst="rect">
@@ -29330,7 +29116,7 @@
         </p:nvSpPr>
         <p:spPr bwMode="auto">
           <a:xfrm>
-            <a:off x="4817787" y="3221163"/>
+            <a:off x="5518950" y="3221163"/>
             <a:ext cx="1528338" cy="400110"/>
           </a:xfrm>
           <a:prstGeom prst="rect">
@@ -29519,7 +29305,7 @@
         </p:nvSpPr>
         <p:spPr bwMode="auto">
           <a:xfrm>
-            <a:off x="4806941" y="3632003"/>
+            <a:off x="5508104" y="3632003"/>
             <a:ext cx="1312314" cy="400110"/>
           </a:xfrm>
           <a:prstGeom prst="rect">
@@ -29852,7 +29638,7 @@
         </p:nvSpPr>
         <p:spPr bwMode="auto">
           <a:xfrm>
-            <a:off x="1456706" y="3454461"/>
+            <a:off x="1434934" y="2844861"/>
             <a:ext cx="1201827" cy="262406"/>
           </a:xfrm>
           <a:prstGeom prst="rect">
@@ -30520,7 +30306,7 @@
         <p:spPr bwMode="auto">
           <a:xfrm>
             <a:off x="947576" y="1844824"/>
-            <a:ext cx="3137359" cy="2246769"/>
+            <a:ext cx="3790570" cy="1631216"/>
           </a:xfrm>
           <a:prstGeom prst="rect">
             <a:avLst/>
@@ -30664,15 +30450,42 @@
               <a:t>boolean </a:t>
             </a:r>
             <a:r>
-              <a:rPr lang="da-DK" b="1" spc="300" dirty="0" smtClean="0">
+              <a:rPr lang="da-DK" b="1" spc="300" dirty="0">
                 <a:solidFill>
                   <a:schemeClr val="tx1"/>
                 </a:solidFill>
                 <a:latin typeface="Courier New" panose="02070309020205020404" pitchFamily="49" charset="0"/>
                 <a:cs typeface="Courier New" panose="02070309020205020404" pitchFamily="49" charset="0"/>
               </a:rPr>
-              <a:t>x;</a:t>
-            </a:r>
+              <a:t>x = </a:t>
+            </a:r>
+            <a:r>
+              <a:rPr lang="da-DK" b="1" spc="300" dirty="0">
+                <a:solidFill>
+                  <a:srgbClr val="0070C0"/>
+                </a:solidFill>
+                <a:latin typeface="Courier New" panose="02070309020205020404" pitchFamily="49" charset="0"/>
+                <a:cs typeface="Courier New" panose="02070309020205020404" pitchFamily="49" charset="0"/>
+              </a:rPr>
+              <a:t>false</a:t>
+            </a:r>
+            <a:r>
+              <a:rPr lang="da-DK" b="1" spc="300" dirty="0" smtClean="0">
+                <a:solidFill>
+                  <a:schemeClr val="tx1"/>
+                </a:solidFill>
+                <a:latin typeface="Courier New" panose="02070309020205020404" pitchFamily="49" charset="0"/>
+                <a:cs typeface="Courier New" panose="02070309020205020404" pitchFamily="49" charset="0"/>
+              </a:rPr>
+              <a:t>;</a:t>
+            </a:r>
+            <a:endParaRPr lang="da-DK" b="1" spc="300" dirty="0" smtClean="0">
+              <a:solidFill>
+                <a:schemeClr val="tx1"/>
+              </a:solidFill>
+              <a:latin typeface="Courier New" panose="02070309020205020404" pitchFamily="49" charset="0"/>
+              <a:cs typeface="Courier New" panose="02070309020205020404" pitchFamily="49" charset="0"/>
+            </a:endParaRPr>
           </a:p>
           <a:p>
             <a:pPr eaLnBrk="1" hangingPunct="1">
@@ -30689,15 +30502,42 @@
               <a:t>boolean </a:t>
             </a:r>
             <a:r>
-              <a:rPr lang="da-DK" b="1" spc="300" dirty="0" smtClean="0">
+              <a:rPr lang="da-DK" b="1" spc="300" dirty="0">
                 <a:solidFill>
                   <a:schemeClr val="tx1"/>
                 </a:solidFill>
                 <a:latin typeface="Courier New" panose="02070309020205020404" pitchFamily="49" charset="0"/>
                 <a:cs typeface="Courier New" panose="02070309020205020404" pitchFamily="49" charset="0"/>
               </a:rPr>
-              <a:t>y;</a:t>
-            </a:r>
+              <a:t>y = </a:t>
+            </a:r>
+            <a:r>
+              <a:rPr lang="da-DK" b="1" spc="300" dirty="0">
+                <a:solidFill>
+                  <a:srgbClr val="0070C0"/>
+                </a:solidFill>
+                <a:latin typeface="Courier New" panose="02070309020205020404" pitchFamily="49" charset="0"/>
+                <a:cs typeface="Courier New" panose="02070309020205020404" pitchFamily="49" charset="0"/>
+              </a:rPr>
+              <a:t>true</a:t>
+            </a:r>
+            <a:r>
+              <a:rPr lang="da-DK" b="1" spc="300" dirty="0" smtClean="0">
+                <a:solidFill>
+                  <a:schemeClr val="tx1"/>
+                </a:solidFill>
+                <a:latin typeface="Courier New" panose="02070309020205020404" pitchFamily="49" charset="0"/>
+                <a:cs typeface="Courier New" panose="02070309020205020404" pitchFamily="49" charset="0"/>
+              </a:rPr>
+              <a:t>;</a:t>
+            </a:r>
+            <a:endParaRPr lang="da-DK" b="1" spc="300" dirty="0" smtClean="0">
+              <a:solidFill>
+                <a:schemeClr val="tx1"/>
+              </a:solidFill>
+              <a:latin typeface="Courier New" panose="02070309020205020404" pitchFamily="49" charset="0"/>
+              <a:cs typeface="Courier New" panose="02070309020205020404" pitchFamily="49" charset="0"/>
+            </a:endParaRPr>
           </a:p>
           <a:p>
             <a:pPr eaLnBrk="1" hangingPunct="1">
@@ -30706,76 +30546,6 @@
             <a:r>
               <a:rPr lang="da-DK" b="1" spc="300" dirty="0" smtClean="0">
                 <a:solidFill>
-                  <a:schemeClr val="tx1"/>
-                </a:solidFill>
-                <a:latin typeface="Courier New" panose="02070309020205020404" pitchFamily="49" charset="0"/>
-                <a:cs typeface="Courier New" panose="02070309020205020404" pitchFamily="49" charset="0"/>
-              </a:rPr>
-              <a:t>x = </a:t>
-            </a:r>
-            <a:r>
-              <a:rPr lang="da-DK" b="1" spc="300" dirty="0" smtClean="0">
-                <a:solidFill>
-                  <a:srgbClr val="0070C0"/>
-                </a:solidFill>
-                <a:latin typeface="Courier New" panose="02070309020205020404" pitchFamily="49" charset="0"/>
-                <a:cs typeface="Courier New" panose="02070309020205020404" pitchFamily="49" charset="0"/>
-              </a:rPr>
-              <a:t>false</a:t>
-            </a:r>
-            <a:r>
-              <a:rPr lang="da-DK" b="1" spc="300" dirty="0" smtClean="0">
-                <a:solidFill>
-                  <a:schemeClr val="tx1"/>
-                </a:solidFill>
-                <a:latin typeface="Courier New" panose="02070309020205020404" pitchFamily="49" charset="0"/>
-                <a:cs typeface="Courier New" panose="02070309020205020404" pitchFamily="49" charset="0"/>
-              </a:rPr>
-              <a:t>; </a:t>
-            </a:r>
-          </a:p>
-          <a:p>
-            <a:pPr eaLnBrk="1" hangingPunct="1">
-              <a:defRPr/>
-            </a:pPr>
-            <a:r>
-              <a:rPr lang="da-DK" b="1" spc="300" dirty="0" smtClean="0">
-                <a:solidFill>
-                  <a:schemeClr val="tx1"/>
-                </a:solidFill>
-                <a:latin typeface="Courier New" panose="02070309020205020404" pitchFamily="49" charset="0"/>
-                <a:cs typeface="Courier New" panose="02070309020205020404" pitchFamily="49" charset="0"/>
-              </a:rPr>
-              <a:t>y = </a:t>
-            </a:r>
-            <a:r>
-              <a:rPr lang="da-DK" b="1" spc="300" dirty="0" smtClean="0">
-                <a:solidFill>
-                  <a:srgbClr val="0070C0"/>
-                </a:solidFill>
-                <a:latin typeface="Courier New" panose="02070309020205020404" pitchFamily="49" charset="0"/>
-                <a:cs typeface="Courier New" panose="02070309020205020404" pitchFamily="49" charset="0"/>
-              </a:rPr>
-              <a:t>true</a:t>
-            </a:r>
-            <a:r>
-              <a:rPr lang="da-DK" b="1" spc="300" dirty="0" smtClean="0">
-                <a:solidFill>
-                  <a:schemeClr val="tx1"/>
-                </a:solidFill>
-                <a:latin typeface="Courier New" panose="02070309020205020404" pitchFamily="49" charset="0"/>
-                <a:cs typeface="Courier New" panose="02070309020205020404" pitchFamily="49" charset="0"/>
-              </a:rPr>
-              <a:t>;</a:t>
-            </a:r>
-          </a:p>
-          <a:p>
-            <a:pPr eaLnBrk="1" hangingPunct="1">
-              <a:defRPr/>
-            </a:pPr>
-            <a:r>
-              <a:rPr lang="da-DK" b="1" spc="300" dirty="0" smtClean="0">
-                <a:solidFill>
                   <a:srgbClr val="800080"/>
                 </a:solidFill>
                 <a:latin typeface="Courier New" panose="02070309020205020404" pitchFamily="49" charset="0"/>
@@ -30791,7 +30561,17 @@
                 <a:latin typeface="Courier New" panose="02070309020205020404" pitchFamily="49" charset="0"/>
                 <a:cs typeface="Courier New" panose="02070309020205020404" pitchFamily="49" charset="0"/>
               </a:rPr>
-              <a:t>(x = y) {</a:t>
+              <a:t>(x </a:t>
+            </a:r>
+            <a:r>
+              <a:rPr lang="da-DK" b="1" spc="300" dirty="0" smtClean="0">
+                <a:solidFill>
+                  <a:schemeClr val="tx1"/>
+                </a:solidFill>
+                <a:latin typeface="Courier New" panose="02070309020205020404" pitchFamily="49" charset="0"/>
+                <a:cs typeface="Courier New" panose="02070309020205020404" pitchFamily="49" charset="0"/>
+              </a:rPr>
+              <a:t>= y) {</a:t>
             </a:r>
           </a:p>
           <a:p>
@@ -30836,7 +30616,7 @@
         </p:nvSpPr>
         <p:spPr bwMode="auto">
           <a:xfrm>
-            <a:off x="995492" y="4332988"/>
+            <a:off x="995492" y="3861048"/>
             <a:ext cx="3057396" cy="1554272"/>
           </a:xfrm>
           <a:prstGeom prst="rect">
@@ -31093,7 +30873,7 @@
         </p:nvSpPr>
         <p:spPr bwMode="auto">
           <a:xfrm>
-            <a:off x="408812" y="4769084"/>
+            <a:off x="408812" y="4297144"/>
             <a:ext cx="576064" cy="341040"/>
           </a:xfrm>
           <a:prstGeom prst="rightArrow">
@@ -31161,7 +30941,7 @@
         </p:nvSpPr>
         <p:spPr bwMode="auto">
           <a:xfrm>
-            <a:off x="4864998" y="1884852"/>
+            <a:off x="5240850" y="1848396"/>
             <a:ext cx="1271244" cy="400110"/>
           </a:xfrm>
           <a:prstGeom prst="rect">
@@ -31329,7 +31109,7 @@
         </p:nvSpPr>
         <p:spPr bwMode="auto">
           <a:xfrm>
-            <a:off x="4864998" y="2316900"/>
+            <a:off x="5240850" y="2280444"/>
             <a:ext cx="1068956" cy="400110"/>
           </a:xfrm>
           <a:prstGeom prst="rect">
@@ -31493,7 +31273,7 @@
         </p:nvSpPr>
         <p:spPr bwMode="auto">
           <a:xfrm>
-            <a:off x="4875844" y="2838106"/>
+            <a:off x="5251696" y="2801650"/>
             <a:ext cx="1706182" cy="400110"/>
           </a:xfrm>
           <a:prstGeom prst="rect">
@@ -31822,7 +31602,7 @@
         </p:nvSpPr>
         <p:spPr bwMode="auto">
           <a:xfrm>
-            <a:off x="1456706" y="3454461"/>
+            <a:off x="1424049" y="2855747"/>
             <a:ext cx="1396561" cy="262406"/>
           </a:xfrm>
           <a:prstGeom prst="rect">
@@ -31888,7 +31668,7 @@
         </p:nvSpPr>
         <p:spPr bwMode="auto">
           <a:xfrm>
-            <a:off x="5971821" y="2300380"/>
+            <a:off x="6347673" y="2263924"/>
             <a:ext cx="720080" cy="400110"/>
           </a:xfrm>
           <a:prstGeom prst="rect">
@@ -32052,7 +31832,7 @@
         </p:nvSpPr>
         <p:spPr bwMode="auto">
           <a:xfrm>
-            <a:off x="5276661" y="2317803"/>
+            <a:off x="5652513" y="2281347"/>
             <a:ext cx="725109" cy="400110"/>
           </a:xfrm>
           <a:prstGeom prst="rect">
@@ -32220,8 +32000,8 @@
         </p:nvSpPr>
         <p:spPr bwMode="auto">
           <a:xfrm>
-            <a:off x="6516216" y="2838106"/>
-            <a:ext cx="2432460" cy="1015663"/>
+            <a:off x="6660232" y="2801650"/>
+            <a:ext cx="2144428" cy="1015663"/>
           </a:xfrm>
           <a:prstGeom prst="rect">
             <a:avLst/>
@@ -32392,8 +32172,13 @@
             </a:r>
             <a:r>
               <a:rPr lang="da-DK" altLang="da-DK" dirty="0" smtClean="0"/>
-              <a:t> værdi</a:t>
-            </a:r>
+              <a:t> </a:t>
+            </a:r>
+            <a:r>
+              <a:rPr lang="da-DK" altLang="da-DK" dirty="0" smtClean="0"/>
+              <a:t>værdi</a:t>
+            </a:r>
+            <a:endParaRPr lang="da-DK" altLang="da-DK" dirty="0" smtClean="0"/>
           </a:p>
         </p:txBody>
       </p:sp>
@@ -32407,7 +32192,7 @@
         </p:nvSpPr>
         <p:spPr bwMode="auto">
           <a:xfrm>
-            <a:off x="5979441" y="1881280"/>
+            <a:off x="6355293" y="1844824"/>
             <a:ext cx="720080" cy="400110"/>
           </a:xfrm>
           <a:prstGeom prst="rect">
@@ -32571,7 +32356,7 @@
         </p:nvSpPr>
         <p:spPr bwMode="auto">
           <a:xfrm>
-            <a:off x="5284281" y="1898703"/>
+            <a:off x="5660133" y="1862247"/>
             <a:ext cx="725109" cy="400110"/>
           </a:xfrm>
           <a:prstGeom prst="rect">
@@ -32739,7 +32524,7 @@
         </p:nvSpPr>
         <p:spPr bwMode="auto">
           <a:xfrm>
-            <a:off x="4873443" y="3257930"/>
+            <a:off x="5249295" y="3221474"/>
             <a:ext cx="1312314" cy="400110"/>
           </a:xfrm>
           <a:prstGeom prst="rect">
